--- a/lectures/075_web_services/The web, under the hood.pptx
+++ b/lectures/075_web_services/The web, under the hood.pptx
@@ -1119,7 +1119,7 @@
           <a:p>
             <a:fld id="{5892DAFE-CDAC-4B0E-AD8C-F5134B67DF4E}" type="datetimeFigureOut">
               <a:rPr lang="en-US" smtClean="0"/>
-              <a:t>2/11/2025</a:t>
+              <a:t>5/7/25</a:t>
             </a:fld>
             <a:endParaRPr lang="en-US"/>
           </a:p>
@@ -1317,7 +1317,7 @@
           <a:p>
             <a:fld id="{5892DAFE-CDAC-4B0E-AD8C-F5134B67DF4E}" type="datetimeFigureOut">
               <a:rPr lang="en-US" smtClean="0"/>
-              <a:t>2/11/2025</a:t>
+              <a:t>5/7/25</a:t>
             </a:fld>
             <a:endParaRPr lang="en-US"/>
           </a:p>
@@ -1525,7 +1525,7 @@
           <a:p>
             <a:fld id="{5892DAFE-CDAC-4B0E-AD8C-F5134B67DF4E}" type="datetimeFigureOut">
               <a:rPr lang="en-US" smtClean="0"/>
-              <a:t>2/11/2025</a:t>
+              <a:t>5/7/25</a:t>
             </a:fld>
             <a:endParaRPr lang="en-US"/>
           </a:p>
@@ -1723,7 +1723,7 @@
           <a:p>
             <a:fld id="{5892DAFE-CDAC-4B0E-AD8C-F5134B67DF4E}" type="datetimeFigureOut">
               <a:rPr lang="en-US" smtClean="0"/>
-              <a:t>2/11/2025</a:t>
+              <a:t>5/7/25</a:t>
             </a:fld>
             <a:endParaRPr lang="en-US"/>
           </a:p>
@@ -1998,7 +1998,7 @@
           <a:p>
             <a:fld id="{5892DAFE-CDAC-4B0E-AD8C-F5134B67DF4E}" type="datetimeFigureOut">
               <a:rPr lang="en-US" smtClean="0"/>
-              <a:t>2/11/2025</a:t>
+              <a:t>5/7/25</a:t>
             </a:fld>
             <a:endParaRPr lang="en-US"/>
           </a:p>
@@ -2263,7 +2263,7 @@
           <a:p>
             <a:fld id="{5892DAFE-CDAC-4B0E-AD8C-F5134B67DF4E}" type="datetimeFigureOut">
               <a:rPr lang="en-US" smtClean="0"/>
-              <a:t>2/11/2025</a:t>
+              <a:t>5/7/25</a:t>
             </a:fld>
             <a:endParaRPr lang="en-US"/>
           </a:p>
@@ -2675,7 +2675,7 @@
           <a:p>
             <a:fld id="{5892DAFE-CDAC-4B0E-AD8C-F5134B67DF4E}" type="datetimeFigureOut">
               <a:rPr lang="en-US" smtClean="0"/>
-              <a:t>2/11/2025</a:t>
+              <a:t>5/7/25</a:t>
             </a:fld>
             <a:endParaRPr lang="en-US"/>
           </a:p>
@@ -2816,7 +2816,7 @@
           <a:p>
             <a:fld id="{5892DAFE-CDAC-4B0E-AD8C-F5134B67DF4E}" type="datetimeFigureOut">
               <a:rPr lang="en-US" smtClean="0"/>
-              <a:t>2/11/2025</a:t>
+              <a:t>5/7/25</a:t>
             </a:fld>
             <a:endParaRPr lang="en-US"/>
           </a:p>
@@ -2929,7 +2929,7 @@
           <a:p>
             <a:fld id="{5892DAFE-CDAC-4B0E-AD8C-F5134B67DF4E}" type="datetimeFigureOut">
               <a:rPr lang="en-US" smtClean="0"/>
-              <a:t>2/11/2025</a:t>
+              <a:t>5/7/25</a:t>
             </a:fld>
             <a:endParaRPr lang="en-US"/>
           </a:p>
@@ -3240,7 +3240,7 @@
           <a:p>
             <a:fld id="{5892DAFE-CDAC-4B0E-AD8C-F5134B67DF4E}" type="datetimeFigureOut">
               <a:rPr lang="en-US" smtClean="0"/>
-              <a:t>2/11/2025</a:t>
+              <a:t>5/7/25</a:t>
             </a:fld>
             <a:endParaRPr lang="en-US"/>
           </a:p>
@@ -3528,7 +3528,7 @@
           <a:p>
             <a:fld id="{5892DAFE-CDAC-4B0E-AD8C-F5134B67DF4E}" type="datetimeFigureOut">
               <a:rPr lang="en-US" smtClean="0"/>
-              <a:t>2/11/2025</a:t>
+              <a:t>5/7/25</a:t>
             </a:fld>
             <a:endParaRPr lang="en-US"/>
           </a:p>
@@ -3774,7 +3774,7 @@
           <a:p>
             <a:fld id="{5892DAFE-CDAC-4B0E-AD8C-F5134B67DF4E}" type="datetimeFigureOut">
               <a:rPr lang="en-US" smtClean="0"/>
-              <a:t>2/11/2025</a:t>
+              <a:t>5/7/25</a:t>
             </a:fld>
             <a:endParaRPr lang="en-US"/>
           </a:p>
@@ -20514,7 +20514,7 @@
         <p:spPr>
           <a:xfrm>
             <a:off x="838200" y="2214781"/>
-            <a:ext cx="10642600" cy="3152338"/>
+            <a:ext cx="10642600" cy="3331874"/>
           </a:xfrm>
           <a:prstGeom prst="rect">
             <a:avLst/>
@@ -21257,7 +21257,49 @@
                 <a:effectLst/>
                 <a:latin typeface="Consolas" panose="020B0609020204030204" pitchFamily="49" charset="0"/>
               </a:rPr>
-              <a:t> dev serve_text.py</a:t>
+              <a:t> dev </a:t>
+            </a:r>
+            <a:r>
+              <a:rPr lang="en-US" sz="1600" b="0" dirty="0" err="1">
+                <a:solidFill>
+                  <a:srgbClr val="75715E"/>
+                </a:solidFill>
+                <a:effectLst/>
+                <a:latin typeface="Consolas" panose="020B0609020204030204" pitchFamily="49" charset="0"/>
+              </a:rPr>
+              <a:t>serve_text.py</a:t>
+            </a:r>
+            <a:endParaRPr lang="en-US" sz="1600" b="0" dirty="0">
+              <a:solidFill>
+                <a:srgbClr val="75715E"/>
+              </a:solidFill>
+              <a:effectLst/>
+              <a:latin typeface="Consolas" panose="020B0609020204030204" pitchFamily="49" charset="0"/>
+            </a:endParaRPr>
+          </a:p>
+          <a:p>
+            <a:pPr>
+              <a:lnSpc>
+                <a:spcPts val="1425"/>
+              </a:lnSpc>
+            </a:pPr>
+            <a:r>
+              <a:rPr lang="en-US" sz="1600" dirty="0">
+                <a:solidFill>
+                  <a:srgbClr val="75715E"/>
+                </a:solidFill>
+                <a:latin typeface="Consolas" panose="020B0609020204030204" pitchFamily="49" charset="0"/>
+              </a:rPr>
+              <a:t># curl http://127.0.0.1:8000/</a:t>
+            </a:r>
+            <a:r>
+              <a:rPr lang="en-US" sz="1600">
+                <a:solidFill>
+                  <a:srgbClr val="75715E"/>
+                </a:solidFill>
+                <a:latin typeface="Consolas" panose="020B0609020204030204" pitchFamily="49" charset="0"/>
+              </a:rPr>
+              <a:t>get_time</a:t>
             </a:r>
             <a:endParaRPr lang="en-US" sz="1600" b="0" dirty="0">
               <a:solidFill>
@@ -23220,19 +23262,7 @@
               <a:rPr lang="en-US" dirty="0">
                 <a:latin typeface="Georgia" panose="02040502050405020303" pitchFamily="18" charset="0"/>
               </a:rPr>
-              <a:t> (</a:t>
-            </a:r>
-            <a:r>
-              <a:rPr lang="en-US" dirty="0" err="1">
-                <a:latin typeface="Georgia" panose="02040502050405020303" pitchFamily="18" charset="0"/>
-              </a:rPr>
-              <a:t>etwork</a:t>
-            </a:r>
-            <a:r>
-              <a:rPr lang="en-US" dirty="0">
-                <a:latin typeface="Georgia" panose="02040502050405020303" pitchFamily="18" charset="0"/>
-              </a:rPr>
-              <a:t> time protocol): port 123</a:t>
+              <a:t> (network time protocol): port 123</a:t>
             </a:r>
           </a:p>
         </p:txBody>
@@ -26220,14 +26250,19 @@
             <p:ph type="title"/>
           </p:nvPr>
         </p:nvSpPr>
-        <p:spPr/>
+        <p:spPr>
+          <a:xfrm>
+            <a:off x="831850" y="1325704"/>
+            <a:ext cx="10515600" cy="1500187"/>
+          </a:xfrm>
+        </p:spPr>
         <p:txBody>
           <a:bodyPr/>
           <a:lstStyle/>
           <a:p>
             <a:r>
               <a:rPr lang="en-US" dirty="0"/>
-              <a:t>Web pages for humans</a:t>
+              <a:t>Easy UI for your web services</a:t>
             </a:r>
           </a:p>
         </p:txBody>
@@ -26248,15 +26283,175 @@
             <p:ph type="body" idx="1"/>
           </p:nvPr>
         </p:nvSpPr>
-        <p:spPr/>
+        <p:spPr>
+          <a:xfrm>
+            <a:off x="831850" y="2852879"/>
+            <a:ext cx="10515600" cy="551155"/>
+          </a:xfrm>
+        </p:spPr>
         <p:txBody>
-          <a:bodyPr/>
+          <a:bodyPr>
+            <a:noAutofit/>
+          </a:bodyPr>
           <a:lstStyle/>
           <a:p>
             <a:r>
-              <a:rPr lang="en-US" dirty="0"/>
-              <a:t>(web services for computers)</a:t>
-            </a:r>
+              <a:rPr lang="en-US" sz="4400" dirty="0" err="1"/>
+              <a:t>Streamlit</a:t>
+            </a:r>
+            <a:r>
+              <a:rPr lang="en-US" sz="4400" dirty="0"/>
+              <a:t> </a:t>
+            </a:r>
+            <a:r>
+              <a:rPr lang="en-US" sz="4400" dirty="0">
+                <a:solidFill>
+                  <a:schemeClr val="bg1">
+                    <a:lumMod val="65000"/>
+                  </a:schemeClr>
+                </a:solidFill>
+              </a:rPr>
+              <a:t>or</a:t>
+            </a:r>
+            <a:r>
+              <a:rPr lang="en-US" sz="4400" dirty="0"/>
+              <a:t> </a:t>
+            </a:r>
+            <a:r>
+              <a:rPr lang="en-US" sz="4400" dirty="0" err="1">
+                <a:solidFill>
+                  <a:schemeClr val="bg1">
+                    <a:lumMod val="65000"/>
+                  </a:schemeClr>
+                </a:solidFill>
+              </a:rPr>
+              <a:t>Gradio</a:t>
+            </a:r>
+            <a:r>
+              <a:rPr lang="en-US" sz="4400" dirty="0">
+                <a:solidFill>
+                  <a:schemeClr val="bg1">
+                    <a:lumMod val="65000"/>
+                  </a:schemeClr>
+                </a:solidFill>
+              </a:rPr>
+              <a:t> or </a:t>
+            </a:r>
+            <a:r>
+              <a:rPr lang="en-US" sz="4400" dirty="0">
+                <a:solidFill>
+                  <a:schemeClr val="bg1">
+                    <a:lumMod val="75000"/>
+                  </a:schemeClr>
+                </a:solidFill>
+              </a:rPr>
+              <a:t>Panel or </a:t>
+            </a:r>
+            <a:r>
+              <a:rPr lang="en-US" sz="4400" dirty="0">
+                <a:solidFill>
+                  <a:schemeClr val="bg1">
+                    <a:lumMod val="85000"/>
+                  </a:schemeClr>
+                </a:solidFill>
+              </a:rPr>
+              <a:t>Viola or </a:t>
+            </a:r>
+          </a:p>
+        </p:txBody>
+      </p:sp>
+      <p:sp>
+        <p:nvSpPr>
+          <p:cNvPr id="5" name="TextBox 4">
+            <a:extLst>
+              <a:ext uri="{FF2B5EF4-FFF2-40B4-BE49-F238E27FC236}">
+                <a16:creationId xmlns:a16="http://schemas.microsoft.com/office/drawing/2014/main" id="{9A9238BF-C75B-E6A7-BEF6-FB086C80F227}"/>
+              </a:ext>
+            </a:extLst>
+          </p:cNvPr>
+          <p:cNvSpPr txBox="1"/>
+          <p:nvPr/>
+        </p:nvSpPr>
+        <p:spPr>
+          <a:xfrm>
+            <a:off x="7344069" y="4414228"/>
+            <a:ext cx="3451998" cy="369332"/>
+          </a:xfrm>
+          <a:prstGeom prst="rect">
+            <a:avLst/>
+          </a:prstGeom>
+          <a:noFill/>
+        </p:spPr>
+        <p:txBody>
+          <a:bodyPr wrap="square">
+            <a:spAutoFit/>
+          </a:bodyPr>
+          <a:lstStyle/>
+          <a:p>
+            <a:r>
+              <a:rPr lang="en-US" b="1" i="0" dirty="0">
+                <a:solidFill>
+                  <a:schemeClr val="tx1">
+                    <a:lumMod val="75000"/>
+                    <a:lumOff val="25000"/>
+                  </a:schemeClr>
+                </a:solidFill>
+                <a:effectLst/>
+                <a:latin typeface="Source Code Pro" panose="020F0502020204030204" pitchFamily="34" charset="0"/>
+              </a:rPr>
+              <a:t>pip</a:t>
+            </a:r>
+            <a:r>
+              <a:rPr lang="en-US" b="0" i="0" dirty="0">
+                <a:solidFill>
+                  <a:srgbClr val="FFFFFF"/>
+                </a:solidFill>
+                <a:effectLst/>
+                <a:latin typeface="Source Code Pro" panose="020F0502020204030204" pitchFamily="34" charset="0"/>
+              </a:rPr>
+              <a:t> </a:t>
+            </a:r>
+            <a:r>
+              <a:rPr lang="en-US" b="1" i="0" dirty="0">
+                <a:solidFill>
+                  <a:srgbClr val="FF6C6C"/>
+                </a:solidFill>
+                <a:effectLst/>
+                <a:latin typeface="Source Code Pro" panose="020F0502020204030204" pitchFamily="34" charset="0"/>
+              </a:rPr>
+              <a:t>install</a:t>
+            </a:r>
+            <a:r>
+              <a:rPr lang="en-US" b="0" i="0" dirty="0">
+                <a:solidFill>
+                  <a:srgbClr val="FFFFFF"/>
+                </a:solidFill>
+                <a:effectLst/>
+                <a:latin typeface="Source Code Pro" panose="020F0502020204030204" pitchFamily="34" charset="0"/>
+              </a:rPr>
+              <a:t> </a:t>
+            </a:r>
+            <a:r>
+              <a:rPr lang="en-US" b="1" i="0" dirty="0" err="1">
+                <a:solidFill>
+                  <a:schemeClr val="tx1">
+                    <a:lumMod val="75000"/>
+                    <a:lumOff val="25000"/>
+                  </a:schemeClr>
+                </a:solidFill>
+                <a:effectLst/>
+                <a:latin typeface="Source Code Pro" panose="020F0502020204030204" pitchFamily="34" charset="0"/>
+              </a:rPr>
+              <a:t>streamlit</a:t>
+            </a:r>
+            <a:endParaRPr lang="en-US" b="1" dirty="0">
+              <a:solidFill>
+                <a:schemeClr val="tx1">
+                  <a:lumMod val="75000"/>
+                  <a:lumOff val="25000"/>
+                </a:schemeClr>
+              </a:solidFill>
+            </a:endParaRPr>
           </a:p>
         </p:txBody>
       </p:sp>
@@ -27420,7 +27615,11 @@
             </a:r>
             <a:r>
               <a:rPr lang="en-US" dirty="0"/>
-              <a:t> translates Python to HTML, reactively</a:t>
+              <a:t> translates Python to HTML, </a:t>
+            </a:r>
+            <a:r>
+              <a:rPr lang="en-US" b="1" dirty="0"/>
+              <a:t>reactively</a:t>
             </a:r>
           </a:p>
         </p:txBody>

--- a/lectures/075_web_services/The web, under the hood.pptx
+++ b/lectures/075_web_services/The web, under the hood.pptx
@@ -1119,7 +1119,7 @@
           <a:p>
             <a:fld id="{5892DAFE-CDAC-4B0E-AD8C-F5134B67DF4E}" type="datetimeFigureOut">
               <a:rPr lang="en-US" smtClean="0"/>
-              <a:t>5/7/25</a:t>
+              <a:t>7/7/25</a:t>
             </a:fld>
             <a:endParaRPr lang="en-US"/>
           </a:p>
@@ -1317,7 +1317,7 @@
           <a:p>
             <a:fld id="{5892DAFE-CDAC-4B0E-AD8C-F5134B67DF4E}" type="datetimeFigureOut">
               <a:rPr lang="en-US" smtClean="0"/>
-              <a:t>5/7/25</a:t>
+              <a:t>7/7/25</a:t>
             </a:fld>
             <a:endParaRPr lang="en-US"/>
           </a:p>
@@ -1525,7 +1525,7 @@
           <a:p>
             <a:fld id="{5892DAFE-CDAC-4B0E-AD8C-F5134B67DF4E}" type="datetimeFigureOut">
               <a:rPr lang="en-US" smtClean="0"/>
-              <a:t>5/7/25</a:t>
+              <a:t>7/7/25</a:t>
             </a:fld>
             <a:endParaRPr lang="en-US"/>
           </a:p>
@@ -1723,7 +1723,7 @@
           <a:p>
             <a:fld id="{5892DAFE-CDAC-4B0E-AD8C-F5134B67DF4E}" type="datetimeFigureOut">
               <a:rPr lang="en-US" smtClean="0"/>
-              <a:t>5/7/25</a:t>
+              <a:t>7/7/25</a:t>
             </a:fld>
             <a:endParaRPr lang="en-US"/>
           </a:p>
@@ -1998,7 +1998,7 @@
           <a:p>
             <a:fld id="{5892DAFE-CDAC-4B0E-AD8C-F5134B67DF4E}" type="datetimeFigureOut">
               <a:rPr lang="en-US" smtClean="0"/>
-              <a:t>5/7/25</a:t>
+              <a:t>7/7/25</a:t>
             </a:fld>
             <a:endParaRPr lang="en-US"/>
           </a:p>
@@ -2263,7 +2263,7 @@
           <a:p>
             <a:fld id="{5892DAFE-CDAC-4B0E-AD8C-F5134B67DF4E}" type="datetimeFigureOut">
               <a:rPr lang="en-US" smtClean="0"/>
-              <a:t>5/7/25</a:t>
+              <a:t>7/7/25</a:t>
             </a:fld>
             <a:endParaRPr lang="en-US"/>
           </a:p>
@@ -2675,7 +2675,7 @@
           <a:p>
             <a:fld id="{5892DAFE-CDAC-4B0E-AD8C-F5134B67DF4E}" type="datetimeFigureOut">
               <a:rPr lang="en-US" smtClean="0"/>
-              <a:t>5/7/25</a:t>
+              <a:t>7/7/25</a:t>
             </a:fld>
             <a:endParaRPr lang="en-US"/>
           </a:p>
@@ -2816,7 +2816,7 @@
           <a:p>
             <a:fld id="{5892DAFE-CDAC-4B0E-AD8C-F5134B67DF4E}" type="datetimeFigureOut">
               <a:rPr lang="en-US" smtClean="0"/>
-              <a:t>5/7/25</a:t>
+              <a:t>7/7/25</a:t>
             </a:fld>
             <a:endParaRPr lang="en-US"/>
           </a:p>
@@ -2929,7 +2929,7 @@
           <a:p>
             <a:fld id="{5892DAFE-CDAC-4B0E-AD8C-F5134B67DF4E}" type="datetimeFigureOut">
               <a:rPr lang="en-US" smtClean="0"/>
-              <a:t>5/7/25</a:t>
+              <a:t>7/7/25</a:t>
             </a:fld>
             <a:endParaRPr lang="en-US"/>
           </a:p>
@@ -3240,7 +3240,7 @@
           <a:p>
             <a:fld id="{5892DAFE-CDAC-4B0E-AD8C-F5134B67DF4E}" type="datetimeFigureOut">
               <a:rPr lang="en-US" smtClean="0"/>
-              <a:t>5/7/25</a:t>
+              <a:t>7/7/25</a:t>
             </a:fld>
             <a:endParaRPr lang="en-US"/>
           </a:p>
@@ -3528,7 +3528,7 @@
           <a:p>
             <a:fld id="{5892DAFE-CDAC-4B0E-AD8C-F5134B67DF4E}" type="datetimeFigureOut">
               <a:rPr lang="en-US" smtClean="0"/>
-              <a:t>5/7/25</a:t>
+              <a:t>7/7/25</a:t>
             </a:fld>
             <a:endParaRPr lang="en-US"/>
           </a:p>
@@ -3774,7 +3774,7 @@
           <a:p>
             <a:fld id="{5892DAFE-CDAC-4B0E-AD8C-F5134B67DF4E}" type="datetimeFigureOut">
               <a:rPr lang="en-US" smtClean="0"/>
-              <a:t>5/7/25</a:t>
+              <a:t>7/7/25</a:t>
             </a:fld>
             <a:endParaRPr lang="en-US"/>
           </a:p>
@@ -21269,6 +21269,16 @@
               </a:rPr>
               <a:t>serve_text.py</a:t>
             </a:r>
+            <a:r>
+              <a:rPr lang="en-US" sz="1600" b="0">
+                <a:solidFill>
+                  <a:srgbClr val="75715E"/>
+                </a:solidFill>
+                <a:effectLst/>
+                <a:latin typeface="Consolas" panose="020B0609020204030204" pitchFamily="49" charset="0"/>
+              </a:rPr>
+              <a:t> –host 0.0.0.0</a:t>
+            </a:r>
             <a:endParaRPr lang="en-US" sz="1600" b="0" dirty="0">
               <a:solidFill>
                 <a:srgbClr val="75715E"/>
@@ -21293,7 +21303,7 @@
               <a:t># curl http://127.0.0.1:8000/</a:t>
             </a:r>
             <a:r>
-              <a:rPr lang="en-US" sz="1600">
+              <a:rPr lang="en-US" sz="1600" dirty="0" err="1">
                 <a:solidFill>
                   <a:srgbClr val="75715E"/>
                 </a:solidFill>
